--- a/data_reduction/figures/flowchart2.pptx
+++ b/data_reduction/figures/flowchart2.pptx
@@ -259,7 +259,7 @@
           <a:p>
             <a:fld id="{74A2E6A2-88F1-4343-876D-E4F8B581B01C}" type="datetimeFigureOut">
               <a:rPr lang="en-US" smtClean="0"/>
-              <a:t>12/17/17</a:t>
+              <a:t>7/17/22</a:t>
             </a:fld>
             <a:endParaRPr lang="en-US"/>
           </a:p>
@@ -457,7 +457,7 @@
           <a:p>
             <a:fld id="{74A2E6A2-88F1-4343-876D-E4F8B581B01C}" type="datetimeFigureOut">
               <a:rPr lang="en-US" smtClean="0"/>
-              <a:t>12/17/17</a:t>
+              <a:t>7/17/22</a:t>
             </a:fld>
             <a:endParaRPr lang="en-US"/>
           </a:p>
@@ -665,7 +665,7 @@
           <a:p>
             <a:fld id="{74A2E6A2-88F1-4343-876D-E4F8B581B01C}" type="datetimeFigureOut">
               <a:rPr lang="en-US" smtClean="0"/>
-              <a:t>12/17/17</a:t>
+              <a:t>7/17/22</a:t>
             </a:fld>
             <a:endParaRPr lang="en-US"/>
           </a:p>
@@ -863,7 +863,7 @@
           <a:p>
             <a:fld id="{74A2E6A2-88F1-4343-876D-E4F8B581B01C}" type="datetimeFigureOut">
               <a:rPr lang="en-US" smtClean="0"/>
-              <a:t>12/17/17</a:t>
+              <a:t>7/17/22</a:t>
             </a:fld>
             <a:endParaRPr lang="en-US"/>
           </a:p>
@@ -1138,7 +1138,7 @@
           <a:p>
             <a:fld id="{74A2E6A2-88F1-4343-876D-E4F8B581B01C}" type="datetimeFigureOut">
               <a:rPr lang="en-US" smtClean="0"/>
-              <a:t>12/17/17</a:t>
+              <a:t>7/17/22</a:t>
             </a:fld>
             <a:endParaRPr lang="en-US"/>
           </a:p>
@@ -1403,7 +1403,7 @@
           <a:p>
             <a:fld id="{74A2E6A2-88F1-4343-876D-E4F8B581B01C}" type="datetimeFigureOut">
               <a:rPr lang="en-US" smtClean="0"/>
-              <a:t>12/17/17</a:t>
+              <a:t>7/17/22</a:t>
             </a:fld>
             <a:endParaRPr lang="en-US"/>
           </a:p>
@@ -1815,7 +1815,7 @@
           <a:p>
             <a:fld id="{74A2E6A2-88F1-4343-876D-E4F8B581B01C}" type="datetimeFigureOut">
               <a:rPr lang="en-US" smtClean="0"/>
-              <a:t>12/17/17</a:t>
+              <a:t>7/17/22</a:t>
             </a:fld>
             <a:endParaRPr lang="en-US"/>
           </a:p>
@@ -1956,7 +1956,7 @@
           <a:p>
             <a:fld id="{74A2E6A2-88F1-4343-876D-E4F8B581B01C}" type="datetimeFigureOut">
               <a:rPr lang="en-US" smtClean="0"/>
-              <a:t>12/17/17</a:t>
+              <a:t>7/17/22</a:t>
             </a:fld>
             <a:endParaRPr lang="en-US"/>
           </a:p>
@@ -2069,7 +2069,7 @@
           <a:p>
             <a:fld id="{74A2E6A2-88F1-4343-876D-E4F8B581B01C}" type="datetimeFigureOut">
               <a:rPr lang="en-US" smtClean="0"/>
-              <a:t>12/17/17</a:t>
+              <a:t>7/17/22</a:t>
             </a:fld>
             <a:endParaRPr lang="en-US"/>
           </a:p>
@@ -2380,7 +2380,7 @@
           <a:p>
             <a:fld id="{74A2E6A2-88F1-4343-876D-E4F8B581B01C}" type="datetimeFigureOut">
               <a:rPr lang="en-US" smtClean="0"/>
-              <a:t>12/17/17</a:t>
+              <a:t>7/17/22</a:t>
             </a:fld>
             <a:endParaRPr lang="en-US"/>
           </a:p>
@@ -2668,7 +2668,7 @@
           <a:p>
             <a:fld id="{74A2E6A2-88F1-4343-876D-E4F8B581B01C}" type="datetimeFigureOut">
               <a:rPr lang="en-US" smtClean="0"/>
-              <a:t>12/17/17</a:t>
+              <a:t>7/17/22</a:t>
             </a:fld>
             <a:endParaRPr lang="en-US"/>
           </a:p>
@@ -2909,7 +2909,7 @@
           <a:p>
             <a:fld id="{74A2E6A2-88F1-4343-876D-E4F8B581B01C}" type="datetimeFigureOut">
               <a:rPr lang="en-US" smtClean="0"/>
-              <a:t>12/17/17</a:t>
+              <a:t>7/17/22</a:t>
             </a:fld>
             <a:endParaRPr lang="en-US"/>
           </a:p>

--- a/data_reduction/figures/flowchart2.pptx
+++ b/data_reduction/figures/flowchart2.pptx
@@ -4,6 +4,9 @@
   <p:sldMasterIdLst>
     <p:sldMasterId id="2147483648" r:id="rId1"/>
   </p:sldMasterIdLst>
+  <p:notesMasterIdLst>
+    <p:notesMasterId r:id="rId3"/>
+  </p:notesMasterIdLst>
   <p:sldIdLst>
     <p:sldId id="256" r:id="rId2"/>
   </p:sldIdLst>
@@ -110,6 +113,465 @@
     </p:ext>
   </p:extLst>
 </p:presentation>
+</file>
+
+<file path=ppt/notesMasters/notesMaster1.xml><?xml version="1.0" encoding="utf-8"?>
+<p:notesMaster xmlns:a="http://schemas.openxmlformats.org/drawingml/2006/main" xmlns:r="http://schemas.openxmlformats.org/officeDocument/2006/relationships" xmlns:p="http://schemas.openxmlformats.org/presentationml/2006/main">
+  <p:cSld>
+    <p:bg>
+      <p:bgRef idx="1001">
+        <a:schemeClr val="bg1"/>
+      </p:bgRef>
+    </p:bg>
+    <p:spTree>
+      <p:nvGrpSpPr>
+        <p:cNvPr id="1" name=""/>
+        <p:cNvGrpSpPr/>
+        <p:nvPr/>
+      </p:nvGrpSpPr>
+      <p:grpSpPr>
+        <a:xfrm>
+          <a:off x="0" y="0"/>
+          <a:ext cx="0" cy="0"/>
+          <a:chOff x="0" y="0"/>
+          <a:chExt cx="0" cy="0"/>
+        </a:xfrm>
+      </p:grpSpPr>
+      <p:sp>
+        <p:nvSpPr>
+          <p:cNvPr id="2" name="Header Placeholder 1"/>
+          <p:cNvSpPr>
+            <a:spLocks noGrp="1"/>
+          </p:cNvSpPr>
+          <p:nvPr>
+            <p:ph type="hdr" sz="quarter"/>
+          </p:nvPr>
+        </p:nvSpPr>
+        <p:spPr>
+          <a:xfrm>
+            <a:off x="0" y="0"/>
+            <a:ext cx="2971800" cy="458788"/>
+          </a:xfrm>
+          <a:prstGeom prst="rect">
+            <a:avLst/>
+          </a:prstGeom>
+        </p:spPr>
+        <p:txBody>
+          <a:bodyPr vert="horz" lIns="91440" tIns="45720" rIns="91440" bIns="45720" rtlCol="0"/>
+          <a:lstStyle>
+            <a:lvl1pPr algn="l">
+              <a:defRPr sz="1200"/>
+            </a:lvl1pPr>
+          </a:lstStyle>
+          <a:p>
+            <a:endParaRPr lang="en-US"/>
+          </a:p>
+        </p:txBody>
+      </p:sp>
+      <p:sp>
+        <p:nvSpPr>
+          <p:cNvPr id="3" name="Date Placeholder 2"/>
+          <p:cNvSpPr>
+            <a:spLocks noGrp="1"/>
+          </p:cNvSpPr>
+          <p:nvPr>
+            <p:ph type="dt" idx="1"/>
+          </p:nvPr>
+        </p:nvSpPr>
+        <p:spPr>
+          <a:xfrm>
+            <a:off x="3884613" y="0"/>
+            <a:ext cx="2971800" cy="458788"/>
+          </a:xfrm>
+          <a:prstGeom prst="rect">
+            <a:avLst/>
+          </a:prstGeom>
+        </p:spPr>
+        <p:txBody>
+          <a:bodyPr vert="horz" lIns="91440" tIns="45720" rIns="91440" bIns="45720" rtlCol="0"/>
+          <a:lstStyle>
+            <a:lvl1pPr algn="r">
+              <a:defRPr sz="1200"/>
+            </a:lvl1pPr>
+          </a:lstStyle>
+          <a:p>
+            <a:fld id="{FD469A00-EC05-4F4A-94D8-15703CEEB83C}" type="datetimeFigureOut">
+              <a:rPr lang="en-US" smtClean="0"/>
+              <a:t>7/17/22</a:t>
+            </a:fld>
+            <a:endParaRPr lang="en-US"/>
+          </a:p>
+        </p:txBody>
+      </p:sp>
+      <p:sp>
+        <p:nvSpPr>
+          <p:cNvPr id="4" name="Slide Image Placeholder 3"/>
+          <p:cNvSpPr>
+            <a:spLocks noGrp="1" noRot="1" noChangeAspect="1"/>
+          </p:cNvSpPr>
+          <p:nvPr>
+            <p:ph type="sldImg" idx="2"/>
+          </p:nvPr>
+        </p:nvSpPr>
+        <p:spPr>
+          <a:xfrm>
+            <a:off x="685800" y="1143000"/>
+            <a:ext cx="5486400" cy="3086100"/>
+          </a:xfrm>
+          <a:prstGeom prst="rect">
+            <a:avLst/>
+          </a:prstGeom>
+          <a:noFill/>
+          <a:ln w="12700">
+            <a:solidFill>
+              <a:prstClr val="black"/>
+            </a:solidFill>
+          </a:ln>
+        </p:spPr>
+        <p:txBody>
+          <a:bodyPr vert="horz" lIns="91440" tIns="45720" rIns="91440" bIns="45720" rtlCol="0" anchor="ctr"/>
+          <a:lstStyle/>
+          <a:p>
+            <a:endParaRPr lang="en-US"/>
+          </a:p>
+        </p:txBody>
+      </p:sp>
+      <p:sp>
+        <p:nvSpPr>
+          <p:cNvPr id="5" name="Notes Placeholder 4"/>
+          <p:cNvSpPr>
+            <a:spLocks noGrp="1"/>
+          </p:cNvSpPr>
+          <p:nvPr>
+            <p:ph type="body" sz="quarter" idx="3"/>
+          </p:nvPr>
+        </p:nvSpPr>
+        <p:spPr>
+          <a:xfrm>
+            <a:off x="685800" y="4400550"/>
+            <a:ext cx="5486400" cy="3600450"/>
+          </a:xfrm>
+          <a:prstGeom prst="rect">
+            <a:avLst/>
+          </a:prstGeom>
+        </p:spPr>
+        <p:txBody>
+          <a:bodyPr vert="horz" lIns="91440" tIns="45720" rIns="91440" bIns="45720" rtlCol="0"/>
+          <a:lstStyle/>
+          <a:p>
+            <a:pPr lvl="0"/>
+            <a:r>
+              <a:rPr lang="en-US"/>
+              <a:t>Click to edit Master text styles</a:t>
+            </a:r>
+          </a:p>
+          <a:p>
+            <a:pPr lvl="1"/>
+            <a:r>
+              <a:rPr lang="en-US"/>
+              <a:t>Second level</a:t>
+            </a:r>
+          </a:p>
+          <a:p>
+            <a:pPr lvl="2"/>
+            <a:r>
+              <a:rPr lang="en-US"/>
+              <a:t>Third level</a:t>
+            </a:r>
+          </a:p>
+          <a:p>
+            <a:pPr lvl="3"/>
+            <a:r>
+              <a:rPr lang="en-US"/>
+              <a:t>Fourth level</a:t>
+            </a:r>
+          </a:p>
+          <a:p>
+            <a:pPr lvl="4"/>
+            <a:r>
+              <a:rPr lang="en-US"/>
+              <a:t>Fifth level</a:t>
+            </a:r>
+          </a:p>
+        </p:txBody>
+      </p:sp>
+      <p:sp>
+        <p:nvSpPr>
+          <p:cNvPr id="6" name="Footer Placeholder 5"/>
+          <p:cNvSpPr>
+            <a:spLocks noGrp="1"/>
+          </p:cNvSpPr>
+          <p:nvPr>
+            <p:ph type="ftr" sz="quarter" idx="4"/>
+          </p:nvPr>
+        </p:nvSpPr>
+        <p:spPr>
+          <a:xfrm>
+            <a:off x="0" y="8685213"/>
+            <a:ext cx="2971800" cy="458787"/>
+          </a:xfrm>
+          <a:prstGeom prst="rect">
+            <a:avLst/>
+          </a:prstGeom>
+        </p:spPr>
+        <p:txBody>
+          <a:bodyPr vert="horz" lIns="91440" tIns="45720" rIns="91440" bIns="45720" rtlCol="0" anchor="b"/>
+          <a:lstStyle>
+            <a:lvl1pPr algn="l">
+              <a:defRPr sz="1200"/>
+            </a:lvl1pPr>
+          </a:lstStyle>
+          <a:p>
+            <a:endParaRPr lang="en-US"/>
+          </a:p>
+        </p:txBody>
+      </p:sp>
+      <p:sp>
+        <p:nvSpPr>
+          <p:cNvPr id="7" name="Slide Number Placeholder 6"/>
+          <p:cNvSpPr>
+            <a:spLocks noGrp="1"/>
+          </p:cNvSpPr>
+          <p:nvPr>
+            <p:ph type="sldNum" sz="quarter" idx="5"/>
+          </p:nvPr>
+        </p:nvSpPr>
+        <p:spPr>
+          <a:xfrm>
+            <a:off x="3884613" y="8685213"/>
+            <a:ext cx="2971800" cy="458787"/>
+          </a:xfrm>
+          <a:prstGeom prst="rect">
+            <a:avLst/>
+          </a:prstGeom>
+        </p:spPr>
+        <p:txBody>
+          <a:bodyPr vert="horz" lIns="91440" tIns="45720" rIns="91440" bIns="45720" rtlCol="0" anchor="b"/>
+          <a:lstStyle>
+            <a:lvl1pPr algn="r">
+              <a:defRPr sz="1200"/>
+            </a:lvl1pPr>
+          </a:lstStyle>
+          <a:p>
+            <a:fld id="{6EC6E090-366F-264D-91BE-25B4FA55ADF7}" type="slidenum">
+              <a:rPr lang="en-US" smtClean="0"/>
+              <a:t>‹#›</a:t>
+            </a:fld>
+            <a:endParaRPr lang="en-US"/>
+          </a:p>
+        </p:txBody>
+      </p:sp>
+    </p:spTree>
+    <p:extLst>
+      <p:ext uri="{BB962C8B-B14F-4D97-AF65-F5344CB8AC3E}">
+        <p14:creationId xmlns:p14="http://schemas.microsoft.com/office/powerpoint/2010/main" val="2195356842"/>
+      </p:ext>
+    </p:extLst>
+  </p:cSld>
+  <p:clrMap bg1="lt1" tx1="dk1" bg2="lt2" tx2="dk2" accent1="accent1" accent2="accent2" accent3="accent3" accent4="accent4" accent5="accent5" accent6="accent6" hlink="hlink" folHlink="folHlink"/>
+  <p:notesStyle>
+    <a:lvl1pPr marL="0" algn="l" defTabSz="914400" rtl="0" eaLnBrk="1" latinLnBrk="0" hangingPunct="1">
+      <a:defRPr sz="1200" kern="1200">
+        <a:solidFill>
+          <a:schemeClr val="tx1"/>
+        </a:solidFill>
+        <a:latin typeface="+mn-lt"/>
+        <a:ea typeface="+mn-ea"/>
+        <a:cs typeface="+mn-cs"/>
+      </a:defRPr>
+    </a:lvl1pPr>
+    <a:lvl2pPr marL="457200" algn="l" defTabSz="914400" rtl="0" eaLnBrk="1" latinLnBrk="0" hangingPunct="1">
+      <a:defRPr sz="1200" kern="1200">
+        <a:solidFill>
+          <a:schemeClr val="tx1"/>
+        </a:solidFill>
+        <a:latin typeface="+mn-lt"/>
+        <a:ea typeface="+mn-ea"/>
+        <a:cs typeface="+mn-cs"/>
+      </a:defRPr>
+    </a:lvl2pPr>
+    <a:lvl3pPr marL="914400" algn="l" defTabSz="914400" rtl="0" eaLnBrk="1" latinLnBrk="0" hangingPunct="1">
+      <a:defRPr sz="1200" kern="1200">
+        <a:solidFill>
+          <a:schemeClr val="tx1"/>
+        </a:solidFill>
+        <a:latin typeface="+mn-lt"/>
+        <a:ea typeface="+mn-ea"/>
+        <a:cs typeface="+mn-cs"/>
+      </a:defRPr>
+    </a:lvl3pPr>
+    <a:lvl4pPr marL="1371600" algn="l" defTabSz="914400" rtl="0" eaLnBrk="1" latinLnBrk="0" hangingPunct="1">
+      <a:defRPr sz="1200" kern="1200">
+        <a:solidFill>
+          <a:schemeClr val="tx1"/>
+        </a:solidFill>
+        <a:latin typeface="+mn-lt"/>
+        <a:ea typeface="+mn-ea"/>
+        <a:cs typeface="+mn-cs"/>
+      </a:defRPr>
+    </a:lvl4pPr>
+    <a:lvl5pPr marL="1828800" algn="l" defTabSz="914400" rtl="0" eaLnBrk="1" latinLnBrk="0" hangingPunct="1">
+      <a:defRPr sz="1200" kern="1200">
+        <a:solidFill>
+          <a:schemeClr val="tx1"/>
+        </a:solidFill>
+        <a:latin typeface="+mn-lt"/>
+        <a:ea typeface="+mn-ea"/>
+        <a:cs typeface="+mn-cs"/>
+      </a:defRPr>
+    </a:lvl5pPr>
+    <a:lvl6pPr marL="2286000" algn="l" defTabSz="914400" rtl="0" eaLnBrk="1" latinLnBrk="0" hangingPunct="1">
+      <a:defRPr sz="1200" kern="1200">
+        <a:solidFill>
+          <a:schemeClr val="tx1"/>
+        </a:solidFill>
+        <a:latin typeface="+mn-lt"/>
+        <a:ea typeface="+mn-ea"/>
+        <a:cs typeface="+mn-cs"/>
+      </a:defRPr>
+    </a:lvl6pPr>
+    <a:lvl7pPr marL="2743200" algn="l" defTabSz="914400" rtl="0" eaLnBrk="1" latinLnBrk="0" hangingPunct="1">
+      <a:defRPr sz="1200" kern="1200">
+        <a:solidFill>
+          <a:schemeClr val="tx1"/>
+        </a:solidFill>
+        <a:latin typeface="+mn-lt"/>
+        <a:ea typeface="+mn-ea"/>
+        <a:cs typeface="+mn-cs"/>
+      </a:defRPr>
+    </a:lvl7pPr>
+    <a:lvl8pPr marL="3200400" algn="l" defTabSz="914400" rtl="0" eaLnBrk="1" latinLnBrk="0" hangingPunct="1">
+      <a:defRPr sz="1200" kern="1200">
+        <a:solidFill>
+          <a:schemeClr val="tx1"/>
+        </a:solidFill>
+        <a:latin typeface="+mn-lt"/>
+        <a:ea typeface="+mn-ea"/>
+        <a:cs typeface="+mn-cs"/>
+      </a:defRPr>
+    </a:lvl8pPr>
+    <a:lvl9pPr marL="3657600" algn="l" defTabSz="914400" rtl="0" eaLnBrk="1" latinLnBrk="0" hangingPunct="1">
+      <a:defRPr sz="1200" kern="1200">
+        <a:solidFill>
+          <a:schemeClr val="tx1"/>
+        </a:solidFill>
+        <a:latin typeface="+mn-lt"/>
+        <a:ea typeface="+mn-ea"/>
+        <a:cs typeface="+mn-cs"/>
+      </a:defRPr>
+    </a:lvl9pPr>
+  </p:notesStyle>
+</p:notesMaster>
+</file>
+
+<file path=ppt/notesSlides/notesSlide1.xml><?xml version="1.0" encoding="utf-8"?>
+<p:notes xmlns:a="http://schemas.openxmlformats.org/drawingml/2006/main" xmlns:r="http://schemas.openxmlformats.org/officeDocument/2006/relationships" xmlns:p="http://schemas.openxmlformats.org/presentationml/2006/main">
+  <p:cSld>
+    <p:spTree>
+      <p:nvGrpSpPr>
+        <p:cNvPr id="1" name=""/>
+        <p:cNvGrpSpPr/>
+        <p:nvPr/>
+      </p:nvGrpSpPr>
+      <p:grpSpPr>
+        <a:xfrm>
+          <a:off x="0" y="0"/>
+          <a:ext cx="0" cy="0"/>
+          <a:chOff x="0" y="0"/>
+          <a:chExt cx="0" cy="0"/>
+        </a:xfrm>
+      </p:grpSpPr>
+      <p:sp>
+        <p:nvSpPr>
+          <p:cNvPr id="2" name="Slide Image Placeholder 1"/>
+          <p:cNvSpPr>
+            <a:spLocks noGrp="1" noRot="1" noChangeAspect="1"/>
+          </p:cNvSpPr>
+          <p:nvPr>
+            <p:ph type="sldImg"/>
+          </p:nvPr>
+        </p:nvSpPr>
+        <p:spPr/>
+      </p:sp>
+      <p:sp>
+        <p:nvSpPr>
+          <p:cNvPr id="3" name="Notes Placeholder 2"/>
+          <p:cNvSpPr>
+            <a:spLocks noGrp="1"/>
+          </p:cNvSpPr>
+          <p:nvPr>
+            <p:ph type="body" idx="1"/>
+          </p:nvPr>
+        </p:nvSpPr>
+        <p:spPr/>
+        <p:txBody>
+          <a:bodyPr/>
+          <a:lstStyle/>
+          <a:p>
+            <a:r>
+              <a:rPr lang="en-US" sz="1200" dirty="0"/>
+              <a:t>Duplicate marking, mapping quality &gt; 30,</a:t>
+            </a:r>
+          </a:p>
+          <a:p>
+            <a:r>
+              <a:rPr lang="en-US" sz="1200" dirty="0"/>
+              <a:t>Not mitochondrial, not chimeric,</a:t>
+            </a:r>
+          </a:p>
+          <a:p>
+            <a:r>
+              <a:rPr lang="en-US" sz="1200" dirty="0"/>
+              <a:t>Adjusting 5’ and 3’ position by 5bp and 4bp </a:t>
+            </a:r>
+            <a:r>
+              <a:rPr lang="en-US" sz="1200" dirty="0" err="1"/>
+              <a:t>repectively</a:t>
+            </a:r>
+            <a:r>
+              <a:rPr lang="en-US" sz="1200" dirty="0"/>
+              <a:t>.</a:t>
+            </a:r>
+          </a:p>
+          <a:p>
+            <a:endParaRPr lang="en-US" dirty="0"/>
+          </a:p>
+        </p:txBody>
+      </p:sp>
+      <p:sp>
+        <p:nvSpPr>
+          <p:cNvPr id="4" name="Slide Number Placeholder 3"/>
+          <p:cNvSpPr>
+            <a:spLocks noGrp="1"/>
+          </p:cNvSpPr>
+          <p:nvPr>
+            <p:ph type="sldNum" sz="quarter" idx="5"/>
+          </p:nvPr>
+        </p:nvSpPr>
+        <p:spPr/>
+        <p:txBody>
+          <a:bodyPr/>
+          <a:lstStyle/>
+          <a:p>
+            <a:fld id="{6EC6E090-366F-264D-91BE-25B4FA55ADF7}" type="slidenum">
+              <a:rPr lang="en-US" smtClean="0"/>
+              <a:t>1</a:t>
+            </a:fld>
+            <a:endParaRPr lang="en-US"/>
+          </a:p>
+        </p:txBody>
+      </p:sp>
+    </p:spTree>
+    <p:extLst>
+      <p:ext uri="{BB962C8B-B14F-4D97-AF65-F5344CB8AC3E}">
+        <p14:creationId xmlns:p14="http://schemas.microsoft.com/office/powerpoint/2010/main" val="2376683417"/>
+      </p:ext>
+    </p:extLst>
+  </p:cSld>
+  <p:clrMapOvr>
+    <a:masterClrMapping/>
+  </p:clrMapOvr>
+</p:notes>
 </file>
 
 <file path=ppt/slideLayouts/slideLayout1.xml><?xml version="1.0" encoding="utf-8"?>
@@ -3340,10 +3802,10 @@
         </p:nvGrpSpPr>
         <p:grpSpPr>
           <a:xfrm>
-            <a:off x="1515911" y="959259"/>
-            <a:ext cx="9343136" cy="5026438"/>
-            <a:chOff x="668746" y="1779530"/>
-            <a:chExt cx="9343136" cy="5026438"/>
+            <a:off x="1866119" y="959259"/>
+            <a:ext cx="8992928" cy="4749571"/>
+            <a:chOff x="1018954" y="1779530"/>
+            <a:chExt cx="8992928" cy="4749571"/>
           </a:xfrm>
         </p:grpSpPr>
         <p:sp>
@@ -3361,7 +3823,7 @@
           <p:spPr>
             <a:xfrm>
               <a:off x="1018954" y="1779531"/>
-              <a:ext cx="2137144" cy="893135"/>
+              <a:ext cx="1791128" cy="584775"/>
             </a:xfrm>
             <a:prstGeom prst="rect">
               <a:avLst/>
@@ -3397,14 +3859,14 @@
             <a:p>
               <a:pPr algn="ctr"/>
               <a:r>
-                <a:rPr lang="en-US" dirty="0"/>
-                <a:t>Fragment/Read QC</a:t>
+                <a:rPr lang="en-US" sz="1400" dirty="0"/>
+                <a:t>Barcode/Read QC</a:t>
               </a:r>
             </a:p>
             <a:p>
               <a:pPr algn="ctr"/>
               <a:r>
-                <a:rPr lang="en-US" dirty="0"/>
+                <a:rPr lang="en-US" sz="1400" dirty="0"/>
                 <a:t>Preprocessing</a:t>
               </a:r>
             </a:p>
@@ -3424,8 +3886,8 @@
           </p:nvSpPr>
           <p:spPr>
             <a:xfrm>
-              <a:off x="1018954" y="3356381"/>
-              <a:ext cx="2137144" cy="893135"/>
+              <a:off x="1018954" y="3177282"/>
+              <a:ext cx="1605050" cy="495999"/>
             </a:xfrm>
             <a:prstGeom prst="rect">
               <a:avLst/>
@@ -3481,8 +3943,8 @@
           </p:nvSpPr>
           <p:spPr>
             <a:xfrm>
-              <a:off x="1018954" y="5032098"/>
-              <a:ext cx="2137144" cy="893135"/>
+              <a:off x="1018954" y="4302625"/>
+              <a:ext cx="1513677" cy="446567"/>
             </a:xfrm>
             <a:prstGeom prst="rect">
               <a:avLst/>
@@ -3888,7 +4350,7 @@
           </p:nvCxnSpPr>
           <p:spPr>
             <a:xfrm>
-              <a:off x="1339702" y="2672665"/>
+              <a:off x="1339702" y="2441615"/>
               <a:ext cx="0" cy="683715"/>
             </a:xfrm>
             <a:prstGeom prst="straightConnector1">
@@ -3925,13 +4387,15 @@
                 </a:ext>
               </a:extLst>
             </p:cNvPr>
-            <p:cNvCxnSpPr/>
+            <p:cNvCxnSpPr>
+              <a:cxnSpLocks/>
+            </p:cNvCxnSpPr>
             <p:nvPr/>
           </p:nvCxnSpPr>
           <p:spPr>
             <a:xfrm>
-              <a:off x="1339702" y="4249515"/>
-              <a:ext cx="0" cy="782582"/>
+              <a:off x="1339702" y="3753209"/>
+              <a:ext cx="0" cy="496062"/>
             </a:xfrm>
             <a:prstGeom prst="straightConnector1">
               <a:avLst/>
@@ -4231,9 +4695,9 @@
             <p:nvPr/>
           </p:nvCxnSpPr>
           <p:spPr>
-            <a:xfrm flipV="1">
-              <a:off x="6580446" y="2226098"/>
-              <a:ext cx="1294292" cy="3252567"/>
+            <a:xfrm flipH="1" flipV="1">
+              <a:off x="7874738" y="2226098"/>
+              <a:ext cx="2130056" cy="1179715"/>
             </a:xfrm>
             <a:prstGeom prst="straightConnector1">
               <a:avLst/>
@@ -4321,7 +4785,7 @@
           </p:nvSpPr>
           <p:spPr>
             <a:xfrm>
-              <a:off x="1398960" y="2691626"/>
+              <a:off x="1393973" y="2469738"/>
               <a:ext cx="2405173" cy="584775"/>
             </a:xfrm>
             <a:prstGeom prst="rect">
@@ -4337,13 +4801,13 @@
             <a:p>
               <a:r>
                 <a:rPr lang="en-US" sz="1600" dirty="0"/>
-                <a:t>Extract Read Elements</a:t>
+                <a:t>Extract barcodes, reads</a:t>
               </a:r>
             </a:p>
             <a:p>
               <a:r>
                 <a:rPr lang="en-US" sz="1600" dirty="0"/>
-                <a:t>Preprocess</a:t>
+                <a:t>preprocess</a:t>
               </a:r>
             </a:p>
           </p:txBody>
@@ -4362,8 +4826,8 @@
           </p:nvSpPr>
           <p:spPr>
             <a:xfrm>
-              <a:off x="1392979" y="4325034"/>
-              <a:ext cx="2405173" cy="584775"/>
+              <a:off x="1393973" y="3758758"/>
+              <a:ext cx="2405173" cy="338554"/>
             </a:xfrm>
             <a:prstGeom prst="rect">
               <a:avLst/>
@@ -4378,67 +4842,7 @@
             <a:p>
               <a:r>
                 <a:rPr lang="en-US" sz="1600" dirty="0"/>
-                <a:t>Map to Genome/Transcriptome</a:t>
-              </a:r>
-            </a:p>
-          </p:txBody>
-        </p:sp>
-        <p:sp>
-          <p:nvSpPr>
-            <p:cNvPr id="26" name="TextBox 25">
-              <a:extLst>
-                <a:ext uri="{FF2B5EF4-FFF2-40B4-BE49-F238E27FC236}">
-                  <a16:creationId xmlns:a16="http://schemas.microsoft.com/office/drawing/2014/main" id="{6C93A63C-755B-9545-8158-E918D2A347B2}"/>
-                </a:ext>
-              </a:extLst>
-            </p:cNvPr>
-            <p:cNvSpPr txBox="1"/>
-            <p:nvPr/>
-          </p:nvSpPr>
-          <p:spPr>
-            <a:xfrm>
-              <a:off x="668746" y="5944194"/>
-              <a:ext cx="4111142" cy="861774"/>
-            </a:xfrm>
-            <a:prstGeom prst="rect">
-              <a:avLst/>
-            </a:prstGeom>
-            <a:noFill/>
-          </p:spPr>
-          <p:txBody>
-            <a:bodyPr wrap="square" rtlCol="0">
-              <a:spAutoFit/>
-            </a:bodyPr>
-            <a:lstStyle/>
-            <a:p>
-              <a:r>
-                <a:rPr lang="en-US" sz="1600" dirty="0"/>
-                <a:t>Amount of reads mapping to </a:t>
-              </a:r>
-              <a:r>
-                <a:rPr lang="en-US" sz="1600" dirty="0" err="1"/>
-                <a:t>rRNA</a:t>
-              </a:r>
-              <a:r>
-                <a:rPr lang="en-US" sz="1600" dirty="0"/>
-                <a:t>/</a:t>
-              </a:r>
-              <a:r>
-                <a:rPr lang="en-US" sz="1600" dirty="0" err="1"/>
-                <a:t>tRNAs</a:t>
-              </a:r>
-              <a:endParaRPr lang="en-US" sz="1600" dirty="0"/>
-            </a:p>
-            <a:p>
-              <a:r>
-                <a:rPr lang="en-US" sz="1600" dirty="0"/>
-                <a:t>Proportion of uniquely mapping reads</a:t>
-              </a:r>
-            </a:p>
-            <a:p>
-              <a:r>
-                <a:rPr lang="en-US" sz="1600" dirty="0"/>
-                <a:t>Multi-mappers, UMI, Etc.</a:t>
+                <a:t>Map to Genome</a:t>
               </a:r>
             </a:p>
           </p:txBody>
@@ -4555,6 +4959,142 @@
           </p:txBody>
         </p:sp>
       </p:grpSp>
+      <p:cxnSp>
+        <p:nvCxnSpPr>
+          <p:cNvPr id="30" name="Straight Arrow Connector 29">
+            <a:extLst>
+              <a:ext uri="{FF2B5EF4-FFF2-40B4-BE49-F238E27FC236}">
+                <a16:creationId xmlns:a16="http://schemas.microsoft.com/office/drawing/2014/main" id="{3B5F4893-F59C-DE70-30A4-4A1936AA281E}"/>
+              </a:ext>
+            </a:extLst>
+          </p:cNvPr>
+          <p:cNvCxnSpPr>
+            <a:cxnSpLocks/>
+          </p:cNvCxnSpPr>
+          <p:nvPr/>
+        </p:nvCxnSpPr>
+        <p:spPr>
+          <a:xfrm>
+            <a:off x="2203064" y="3966144"/>
+            <a:ext cx="0" cy="496062"/>
+          </a:xfrm>
+          <a:prstGeom prst="straightConnector1">
+            <a:avLst/>
+          </a:prstGeom>
+          <a:ln w="50800">
+            <a:solidFill>
+              <a:schemeClr val="tx1"/>
+            </a:solidFill>
+            <a:tailEnd type="triangle"/>
+          </a:ln>
+        </p:spPr>
+        <p:style>
+          <a:lnRef idx="1">
+            <a:schemeClr val="accent1"/>
+          </a:lnRef>
+          <a:fillRef idx="0">
+            <a:schemeClr val="accent1"/>
+          </a:fillRef>
+          <a:effectRef idx="0">
+            <a:schemeClr val="accent1"/>
+          </a:effectRef>
+          <a:fontRef idx="minor">
+            <a:schemeClr val="tx1"/>
+          </a:fontRef>
+        </p:style>
+      </p:cxnSp>
+      <p:sp>
+        <p:nvSpPr>
+          <p:cNvPr id="31" name="TextBox 30">
+            <a:extLst>
+              <a:ext uri="{FF2B5EF4-FFF2-40B4-BE49-F238E27FC236}">
+                <a16:creationId xmlns:a16="http://schemas.microsoft.com/office/drawing/2014/main" id="{EA77F842-92C1-0BB7-9366-D900229B1EF3}"/>
+              </a:ext>
+            </a:extLst>
+          </p:cNvPr>
+          <p:cNvSpPr txBox="1"/>
+          <p:nvPr/>
+        </p:nvSpPr>
+        <p:spPr>
+          <a:xfrm>
+            <a:off x="2241138" y="3981890"/>
+            <a:ext cx="2405173" cy="338554"/>
+          </a:xfrm>
+          <a:prstGeom prst="rect">
+            <a:avLst/>
+          </a:prstGeom>
+          <a:noFill/>
+        </p:spPr>
+        <p:txBody>
+          <a:bodyPr wrap="square" rtlCol="0">
+            <a:spAutoFit/>
+          </a:bodyPr>
+          <a:lstStyle/>
+          <a:p>
+            <a:r>
+              <a:rPr lang="en-US" sz="1600" dirty="0"/>
+              <a:t>Peak calling</a:t>
+            </a:r>
+          </a:p>
+        </p:txBody>
+      </p:sp>
+      <p:sp>
+        <p:nvSpPr>
+          <p:cNvPr id="32" name="Rectangle 31">
+            <a:extLst>
+              <a:ext uri="{FF2B5EF4-FFF2-40B4-BE49-F238E27FC236}">
+                <a16:creationId xmlns:a16="http://schemas.microsoft.com/office/drawing/2014/main" id="{80CE048C-C444-D511-99AB-1976767C40ED}"/>
+              </a:ext>
+            </a:extLst>
+          </p:cNvPr>
+          <p:cNvSpPr/>
+          <p:nvPr/>
+        </p:nvSpPr>
+        <p:spPr>
+          <a:xfrm>
+            <a:off x="1866119" y="4499429"/>
+            <a:ext cx="1513677" cy="446567"/>
+          </a:xfrm>
+          <a:prstGeom prst="rect">
+            <a:avLst/>
+          </a:prstGeom>
+          <a:solidFill>
+            <a:schemeClr val="accent3"/>
+          </a:solidFill>
+          <a:ln>
+            <a:solidFill>
+              <a:schemeClr val="accent3"/>
+            </a:solidFill>
+          </a:ln>
+        </p:spPr>
+        <p:style>
+          <a:lnRef idx="2">
+            <a:schemeClr val="accent1">
+              <a:shade val="50000"/>
+            </a:schemeClr>
+          </a:lnRef>
+          <a:fillRef idx="1">
+            <a:schemeClr val="accent1"/>
+          </a:fillRef>
+          <a:effectRef idx="0">
+            <a:schemeClr val="accent1"/>
+          </a:effectRef>
+          <a:fontRef idx="minor">
+            <a:schemeClr val="lt1"/>
+          </a:fontRef>
+        </p:style>
+        <p:txBody>
+          <a:bodyPr rtlCol="0" anchor="ctr"/>
+          <a:lstStyle/>
+          <a:p>
+            <a:pPr algn="ctr"/>
+            <a:r>
+              <a:rPr lang="en-US" dirty="0"/>
+              <a:t>Mapping QC</a:t>
+            </a:r>
+          </a:p>
+        </p:txBody>
+      </p:sp>
     </p:spTree>
     <p:extLst>
       <p:ext uri="{BB962C8B-B14F-4D97-AF65-F5344CB8AC3E}">
@@ -4861,4 +5401,299 @@
     </a:ext>
   </a:extLst>
 </a:theme>
+</file>
+
+<file path=ppt/theme/theme2.xml><?xml version="1.0" encoding="utf-8"?>
+<a:theme xmlns:a="http://schemas.openxmlformats.org/drawingml/2006/main" name="Office Theme">
+  <a:themeElements>
+    <a:clrScheme name="Office">
+      <a:dk1>
+        <a:sysClr val="windowText" lastClr="000000"/>
+      </a:dk1>
+      <a:lt1>
+        <a:sysClr val="window" lastClr="FFFFFF"/>
+      </a:lt1>
+      <a:dk2>
+        <a:srgbClr val="44546A"/>
+      </a:dk2>
+      <a:lt2>
+        <a:srgbClr val="E7E6E6"/>
+      </a:lt2>
+      <a:accent1>
+        <a:srgbClr val="4472C4"/>
+      </a:accent1>
+      <a:accent2>
+        <a:srgbClr val="ED7D31"/>
+      </a:accent2>
+      <a:accent3>
+        <a:srgbClr val="A5A5A5"/>
+      </a:accent3>
+      <a:accent4>
+        <a:srgbClr val="FFC000"/>
+      </a:accent4>
+      <a:accent5>
+        <a:srgbClr val="5B9BD5"/>
+      </a:accent5>
+      <a:accent6>
+        <a:srgbClr val="70AD47"/>
+      </a:accent6>
+      <a:hlink>
+        <a:srgbClr val="0563C1"/>
+      </a:hlink>
+      <a:folHlink>
+        <a:srgbClr val="954F72"/>
+      </a:folHlink>
+    </a:clrScheme>
+    <a:fontScheme name="Office">
+      <a:majorFont>
+        <a:latin typeface="Calibri Light" panose="020F0302020204030204"/>
+        <a:ea typeface=""/>
+        <a:cs typeface=""/>
+        <a:font script="Jpan" typeface="游ゴシック Light"/>
+        <a:font script="Hang" typeface="맑은 고딕"/>
+        <a:font script="Hans" typeface="等线 Light"/>
+        <a:font script="Hant" typeface="新細明體"/>
+        <a:font script="Arab" typeface="Times New Roman"/>
+        <a:font script="Hebr" typeface="Times New Roman"/>
+        <a:font script="Thai" typeface="Angsana New"/>
+        <a:font script="Ethi" typeface="Nyala"/>
+        <a:font script="Beng" typeface="Vrinda"/>
+        <a:font script="Gujr" typeface="Shruti"/>
+        <a:font script="Khmr" typeface="MoolBoran"/>
+        <a:font script="Knda" typeface="Tunga"/>
+        <a:font script="Guru" typeface="Raavi"/>
+        <a:font script="Cans" typeface="Euphemia"/>
+        <a:font script="Cher" typeface="Plantagenet Cherokee"/>
+        <a:font script="Yiii" typeface="Microsoft Yi Baiti"/>
+        <a:font script="Tibt" typeface="Microsoft Himalaya"/>
+        <a:font script="Thaa" typeface="MV Boli"/>
+        <a:font script="Deva" typeface="Mangal"/>
+        <a:font script="Telu" typeface="Gautami"/>
+        <a:font script="Taml" typeface="Latha"/>
+        <a:font script="Syrc" typeface="Estrangelo Edessa"/>
+        <a:font script="Orya" typeface="Kalinga"/>
+        <a:font script="Mlym" typeface="Kartika"/>
+        <a:font script="Laoo" typeface="DokChampa"/>
+        <a:font script="Sinh" typeface="Iskoola Pota"/>
+        <a:font script="Mong" typeface="Mongolian Baiti"/>
+        <a:font script="Viet" typeface="Times New Roman"/>
+        <a:font script="Uigh" typeface="Microsoft Uighur"/>
+        <a:font script="Geor" typeface="Sylfaen"/>
+        <a:font script="Armn" typeface="Arial"/>
+        <a:font script="Bugi" typeface="Leelawadee UI"/>
+        <a:font script="Bopo" typeface="Microsoft JhengHei"/>
+        <a:font script="Java" typeface="Javanese Text"/>
+        <a:font script="Lisu" typeface="Segoe UI"/>
+        <a:font script="Mymr" typeface="Myanmar Text"/>
+        <a:font script="Nkoo" typeface="Ebrima"/>
+        <a:font script="Olck" typeface="Nirmala UI"/>
+        <a:font script="Osma" typeface="Ebrima"/>
+        <a:font script="Phag" typeface="Phagspa"/>
+        <a:font script="Syrn" typeface="Estrangelo Edessa"/>
+        <a:font script="Syrj" typeface="Estrangelo Edessa"/>
+        <a:font script="Syre" typeface="Estrangelo Edessa"/>
+        <a:font script="Sora" typeface="Nirmala UI"/>
+        <a:font script="Tale" typeface="Microsoft Tai Le"/>
+        <a:font script="Talu" typeface="Microsoft New Tai Lue"/>
+        <a:font script="Tfng" typeface="Ebrima"/>
+      </a:majorFont>
+      <a:minorFont>
+        <a:latin typeface="Calibri" panose="020F0502020204030204"/>
+        <a:ea typeface=""/>
+        <a:cs typeface=""/>
+        <a:font script="Jpan" typeface="游ゴシック"/>
+        <a:font script="Hang" typeface="맑은 고딕"/>
+        <a:font script="Hans" typeface="等线"/>
+        <a:font script="Hant" typeface="新細明體"/>
+        <a:font script="Arab" typeface="Arial"/>
+        <a:font script="Hebr" typeface="Arial"/>
+        <a:font script="Thai" typeface="Cordia New"/>
+        <a:font script="Ethi" typeface="Nyala"/>
+        <a:font script="Beng" typeface="Vrinda"/>
+        <a:font script="Gujr" typeface="Shruti"/>
+        <a:font script="Khmr" typeface="DaunPenh"/>
+        <a:font script="Knda" typeface="Tunga"/>
+        <a:font script="Guru" typeface="Raavi"/>
+        <a:font script="Cans" typeface="Euphemia"/>
+        <a:font script="Cher" typeface="Plantagenet Cherokee"/>
+        <a:font script="Yiii" typeface="Microsoft Yi Baiti"/>
+        <a:font script="Tibt" typeface="Microsoft Himalaya"/>
+        <a:font script="Thaa" typeface="MV Boli"/>
+        <a:font script="Deva" typeface="Mangal"/>
+        <a:font script="Telu" typeface="Gautami"/>
+        <a:font script="Taml" typeface="Latha"/>
+        <a:font script="Syrc" typeface="Estrangelo Edessa"/>
+        <a:font script="Orya" typeface="Kalinga"/>
+        <a:font script="Mlym" typeface="Kartika"/>
+        <a:font script="Laoo" typeface="DokChampa"/>
+        <a:font script="Sinh" typeface="Iskoola Pota"/>
+        <a:font script="Mong" typeface="Mongolian Baiti"/>
+        <a:font script="Viet" typeface="Arial"/>
+        <a:font script="Uigh" typeface="Microsoft Uighur"/>
+        <a:font script="Geor" typeface="Sylfaen"/>
+        <a:font script="Armn" typeface="Arial"/>
+        <a:font script="Bugi" typeface="Leelawadee UI"/>
+        <a:font script="Bopo" typeface="Microsoft JhengHei"/>
+        <a:font script="Java" typeface="Javanese Text"/>
+        <a:font script="Lisu" typeface="Segoe UI"/>
+        <a:font script="Mymr" typeface="Myanmar Text"/>
+        <a:font script="Nkoo" typeface="Ebrima"/>
+        <a:font script="Olck" typeface="Nirmala UI"/>
+        <a:font script="Osma" typeface="Ebrima"/>
+        <a:font script="Phag" typeface="Phagspa"/>
+        <a:font script="Syrn" typeface="Estrangelo Edessa"/>
+        <a:font script="Syrj" typeface="Estrangelo Edessa"/>
+        <a:font script="Syre" typeface="Estrangelo Edessa"/>
+        <a:font script="Sora" typeface="Nirmala UI"/>
+        <a:font script="Tale" typeface="Microsoft Tai Le"/>
+        <a:font script="Talu" typeface="Microsoft New Tai Lue"/>
+        <a:font script="Tfng" typeface="Ebrima"/>
+      </a:minorFont>
+    </a:fontScheme>
+    <a:fmtScheme name="Office">
+      <a:fillStyleLst>
+        <a:solidFill>
+          <a:schemeClr val="phClr"/>
+        </a:solidFill>
+        <a:gradFill rotWithShape="1">
+          <a:gsLst>
+            <a:gs pos="0">
+              <a:schemeClr val="phClr">
+                <a:lumMod val="110000"/>
+                <a:satMod val="105000"/>
+                <a:tint val="67000"/>
+              </a:schemeClr>
+            </a:gs>
+            <a:gs pos="50000">
+              <a:schemeClr val="phClr">
+                <a:lumMod val="105000"/>
+                <a:satMod val="103000"/>
+                <a:tint val="73000"/>
+              </a:schemeClr>
+            </a:gs>
+            <a:gs pos="100000">
+              <a:schemeClr val="phClr">
+                <a:lumMod val="105000"/>
+                <a:satMod val="109000"/>
+                <a:tint val="81000"/>
+              </a:schemeClr>
+            </a:gs>
+          </a:gsLst>
+          <a:lin ang="5400000" scaled="0"/>
+        </a:gradFill>
+        <a:gradFill rotWithShape="1">
+          <a:gsLst>
+            <a:gs pos="0">
+              <a:schemeClr val="phClr">
+                <a:satMod val="103000"/>
+                <a:lumMod val="102000"/>
+                <a:tint val="94000"/>
+              </a:schemeClr>
+            </a:gs>
+            <a:gs pos="50000">
+              <a:schemeClr val="phClr">
+                <a:satMod val="110000"/>
+                <a:lumMod val="100000"/>
+                <a:shade val="100000"/>
+              </a:schemeClr>
+            </a:gs>
+            <a:gs pos="100000">
+              <a:schemeClr val="phClr">
+                <a:lumMod val="99000"/>
+                <a:satMod val="120000"/>
+                <a:shade val="78000"/>
+              </a:schemeClr>
+            </a:gs>
+          </a:gsLst>
+          <a:lin ang="5400000" scaled="0"/>
+        </a:gradFill>
+      </a:fillStyleLst>
+      <a:lnStyleLst>
+        <a:ln w="6350" cap="flat" cmpd="sng" algn="ctr">
+          <a:solidFill>
+            <a:schemeClr val="phClr"/>
+          </a:solidFill>
+          <a:prstDash val="solid"/>
+          <a:miter lim="800000"/>
+        </a:ln>
+        <a:ln w="12700" cap="flat" cmpd="sng" algn="ctr">
+          <a:solidFill>
+            <a:schemeClr val="phClr"/>
+          </a:solidFill>
+          <a:prstDash val="solid"/>
+          <a:miter lim="800000"/>
+        </a:ln>
+        <a:ln w="19050" cap="flat" cmpd="sng" algn="ctr">
+          <a:solidFill>
+            <a:schemeClr val="phClr"/>
+          </a:solidFill>
+          <a:prstDash val="solid"/>
+          <a:miter lim="800000"/>
+        </a:ln>
+      </a:lnStyleLst>
+      <a:effectStyleLst>
+        <a:effectStyle>
+          <a:effectLst/>
+        </a:effectStyle>
+        <a:effectStyle>
+          <a:effectLst/>
+        </a:effectStyle>
+        <a:effectStyle>
+          <a:effectLst>
+            <a:outerShdw blurRad="57150" dist="19050" dir="5400000" algn="ctr" rotWithShape="0">
+              <a:srgbClr val="000000">
+                <a:alpha val="63000"/>
+              </a:srgbClr>
+            </a:outerShdw>
+          </a:effectLst>
+        </a:effectStyle>
+      </a:effectStyleLst>
+      <a:bgFillStyleLst>
+        <a:solidFill>
+          <a:schemeClr val="phClr"/>
+        </a:solidFill>
+        <a:solidFill>
+          <a:schemeClr val="phClr">
+            <a:tint val="95000"/>
+            <a:satMod val="170000"/>
+          </a:schemeClr>
+        </a:solidFill>
+        <a:gradFill rotWithShape="1">
+          <a:gsLst>
+            <a:gs pos="0">
+              <a:schemeClr val="phClr">
+                <a:tint val="93000"/>
+                <a:satMod val="150000"/>
+                <a:shade val="98000"/>
+                <a:lumMod val="102000"/>
+              </a:schemeClr>
+            </a:gs>
+            <a:gs pos="50000">
+              <a:schemeClr val="phClr">
+                <a:tint val="98000"/>
+                <a:satMod val="130000"/>
+                <a:shade val="90000"/>
+                <a:lumMod val="103000"/>
+              </a:schemeClr>
+            </a:gs>
+            <a:gs pos="100000">
+              <a:schemeClr val="phClr">
+                <a:shade val="63000"/>
+                <a:satMod val="120000"/>
+              </a:schemeClr>
+            </a:gs>
+          </a:gsLst>
+          <a:lin ang="5400000" scaled="0"/>
+        </a:gradFill>
+      </a:bgFillStyleLst>
+    </a:fmtScheme>
+  </a:themeElements>
+  <a:objectDefaults/>
+  <a:extraClrSchemeLst/>
+  <a:extLst>
+    <a:ext uri="{05A4C25C-085E-4340-85A3-A5531E510DB2}">
+      <thm15:themeFamily xmlns:thm15="http://schemas.microsoft.com/office/thememl/2012/main" name="Office Theme" id="{62F939B6-93AF-4DB8-9C6B-D6C7DFDC589F}" vid="{4A3C46E8-61CC-4603-A589-7422A47A8E4A}"/>
+    </a:ext>
+  </a:extLst>
+</a:theme>
 </file>
--- a/data_reduction/figures/flowchart2.pptx
+++ b/data_reduction/figures/flowchart2.pptx
@@ -197,7 +197,7 @@
           <a:p>
             <a:fld id="{FD469A00-EC05-4F4A-94D8-15703CEEB83C}" type="datetimeFigureOut">
               <a:rPr lang="en-US" smtClean="0"/>
-              <a:t>7/17/22</a:t>
+              <a:t>7/20/22</a:t>
             </a:fld>
             <a:endParaRPr lang="en-US"/>
           </a:p>
@@ -721,7 +721,7 @@
           <a:p>
             <a:fld id="{74A2E6A2-88F1-4343-876D-E4F8B581B01C}" type="datetimeFigureOut">
               <a:rPr lang="en-US" smtClean="0"/>
-              <a:t>7/17/22</a:t>
+              <a:t>7/20/22</a:t>
             </a:fld>
             <a:endParaRPr lang="en-US"/>
           </a:p>
@@ -919,7 +919,7 @@
           <a:p>
             <a:fld id="{74A2E6A2-88F1-4343-876D-E4F8B581B01C}" type="datetimeFigureOut">
               <a:rPr lang="en-US" smtClean="0"/>
-              <a:t>7/17/22</a:t>
+              <a:t>7/20/22</a:t>
             </a:fld>
             <a:endParaRPr lang="en-US"/>
           </a:p>
@@ -1127,7 +1127,7 @@
           <a:p>
             <a:fld id="{74A2E6A2-88F1-4343-876D-E4F8B581B01C}" type="datetimeFigureOut">
               <a:rPr lang="en-US" smtClean="0"/>
-              <a:t>7/17/22</a:t>
+              <a:t>7/20/22</a:t>
             </a:fld>
             <a:endParaRPr lang="en-US"/>
           </a:p>
@@ -1325,7 +1325,7 @@
           <a:p>
             <a:fld id="{74A2E6A2-88F1-4343-876D-E4F8B581B01C}" type="datetimeFigureOut">
               <a:rPr lang="en-US" smtClean="0"/>
-              <a:t>7/17/22</a:t>
+              <a:t>7/20/22</a:t>
             </a:fld>
             <a:endParaRPr lang="en-US"/>
           </a:p>
@@ -1600,7 +1600,7 @@
           <a:p>
             <a:fld id="{74A2E6A2-88F1-4343-876D-E4F8B581B01C}" type="datetimeFigureOut">
               <a:rPr lang="en-US" smtClean="0"/>
-              <a:t>7/17/22</a:t>
+              <a:t>7/20/22</a:t>
             </a:fld>
             <a:endParaRPr lang="en-US"/>
           </a:p>
@@ -1865,7 +1865,7 @@
           <a:p>
             <a:fld id="{74A2E6A2-88F1-4343-876D-E4F8B581B01C}" type="datetimeFigureOut">
               <a:rPr lang="en-US" smtClean="0"/>
-              <a:t>7/17/22</a:t>
+              <a:t>7/20/22</a:t>
             </a:fld>
             <a:endParaRPr lang="en-US"/>
           </a:p>
@@ -2277,7 +2277,7 @@
           <a:p>
             <a:fld id="{74A2E6A2-88F1-4343-876D-E4F8B581B01C}" type="datetimeFigureOut">
               <a:rPr lang="en-US" smtClean="0"/>
-              <a:t>7/17/22</a:t>
+              <a:t>7/20/22</a:t>
             </a:fld>
             <a:endParaRPr lang="en-US"/>
           </a:p>
@@ -2418,7 +2418,7 @@
           <a:p>
             <a:fld id="{74A2E6A2-88F1-4343-876D-E4F8B581B01C}" type="datetimeFigureOut">
               <a:rPr lang="en-US" smtClean="0"/>
-              <a:t>7/17/22</a:t>
+              <a:t>7/20/22</a:t>
             </a:fld>
             <a:endParaRPr lang="en-US"/>
           </a:p>
@@ -2531,7 +2531,7 @@
           <a:p>
             <a:fld id="{74A2E6A2-88F1-4343-876D-E4F8B581B01C}" type="datetimeFigureOut">
               <a:rPr lang="en-US" smtClean="0"/>
-              <a:t>7/17/22</a:t>
+              <a:t>7/20/22</a:t>
             </a:fld>
             <a:endParaRPr lang="en-US"/>
           </a:p>
@@ -2842,7 +2842,7 @@
           <a:p>
             <a:fld id="{74A2E6A2-88F1-4343-876D-E4F8B581B01C}" type="datetimeFigureOut">
               <a:rPr lang="en-US" smtClean="0"/>
-              <a:t>7/17/22</a:t>
+              <a:t>7/20/22</a:t>
             </a:fld>
             <a:endParaRPr lang="en-US"/>
           </a:p>
@@ -3130,7 +3130,7 @@
           <a:p>
             <a:fld id="{74A2E6A2-88F1-4343-876D-E4F8B581B01C}" type="datetimeFigureOut">
               <a:rPr lang="en-US" smtClean="0"/>
-              <a:t>7/17/22</a:t>
+              <a:t>7/20/22</a:t>
             </a:fld>
             <a:endParaRPr lang="en-US"/>
           </a:p>
@@ -3371,7 +3371,7 @@
           <a:p>
             <a:fld id="{74A2E6A2-88F1-4343-876D-E4F8B581B01C}" type="datetimeFigureOut">
               <a:rPr lang="en-US" smtClean="0"/>
-              <a:t>7/17/22</a:t>
+              <a:t>7/20/22</a:t>
             </a:fld>
             <a:endParaRPr lang="en-US"/>
           </a:p>
@@ -3802,7 +3802,7 @@
         </p:nvGrpSpPr>
         <p:grpSpPr>
           <a:xfrm>
-            <a:off x="1866119" y="959259"/>
+            <a:off x="1866119" y="922189"/>
             <a:ext cx="8992928" cy="4749571"/>
             <a:chOff x="1018954" y="1779530"/>
             <a:chExt cx="8992928" cy="4749571"/>
@@ -4210,7 +4210,7 @@
               <a:pPr algn="ctr"/>
               <a:r>
                 <a:rPr lang="en-US" dirty="0"/>
-                <a:t>Differential Expression</a:t>
+                <a:t>Differential peak</a:t>
               </a:r>
             </a:p>
           </p:txBody>
@@ -4324,7 +4324,7 @@
               <a:pPr algn="ctr"/>
               <a:r>
                 <a:rPr lang="en-US" dirty="0"/>
-                <a:t>Network</a:t>
+                <a:t>motif</a:t>
               </a:r>
             </a:p>
             <a:p>
@@ -4689,14 +4689,13 @@
               </a:extLst>
             </p:cNvPr>
             <p:cNvCxnSpPr>
-              <a:stCxn id="11" idx="3"/>
-              <a:endCxn id="14" idx="1"/>
+              <a:cxnSpLocks/>
             </p:cNvCxnSpPr>
             <p:nvPr/>
           </p:nvCxnSpPr>
           <p:spPr>
             <a:xfrm flipH="1" flipV="1">
-              <a:off x="7874738" y="2226098"/>
+              <a:off x="6444896" y="2979293"/>
               <a:ext cx="2130056" cy="1179715"/>
             </a:xfrm>
             <a:prstGeom prst="straightConnector1">
@@ -4708,6 +4707,12 @@
               </a:solidFill>
               <a:tailEnd type="triangle"/>
             </a:ln>
+            <a:scene3d>
+              <a:camera prst="orthographicFront">
+                <a:rot lat="16200000" lon="0" rev="0"/>
+              </a:camera>
+              <a:lightRig rig="threePt" dir="t"/>
+            </a:scene3d>
           </p:spPr>
           <p:style>
             <a:lnRef idx="1">
@@ -4734,14 +4739,13 @@
               </a:extLst>
             </p:cNvPr>
             <p:cNvCxnSpPr>
-              <a:stCxn id="8" idx="3"/>
-              <a:endCxn id="9" idx="1"/>
+              <a:cxnSpLocks/>
             </p:cNvCxnSpPr>
             <p:nvPr/>
           </p:nvCxnSpPr>
           <p:spPr>
             <a:xfrm flipV="1">
-              <a:off x="3156098" y="2226098"/>
+              <a:off x="3071591" y="2327485"/>
               <a:ext cx="1286097" cy="3252568"/>
             </a:xfrm>
             <a:prstGeom prst="bentConnector3">
@@ -4932,7 +4936,7 @@
           <p:spPr>
             <a:xfrm>
               <a:off x="5031858" y="4330553"/>
-              <a:ext cx="1379575" cy="584775"/>
+              <a:ext cx="1379575" cy="338554"/>
             </a:xfrm>
             <a:prstGeom prst="rect">
               <a:avLst/>
@@ -4947,13 +4951,7 @@
             <a:p>
               <a:r>
                 <a:rPr lang="en-US" sz="1600" dirty="0"/>
-                <a:t>TMM</a:t>
-              </a:r>
-            </a:p>
-            <a:p>
-              <a:r>
-                <a:rPr lang="en-US" sz="1600" dirty="0"/>
-                <a:t>CPM</a:t>
+                <a:t>TF-IDF</a:t>
               </a:r>
             </a:p>
           </p:txBody>
@@ -5095,6 +5093,51 @@
           </a:p>
         </p:txBody>
       </p:sp>
+      <p:cxnSp>
+        <p:nvCxnSpPr>
+          <p:cNvPr id="2" name="Straight Arrow Connector 1">
+            <a:extLst>
+              <a:ext uri="{FF2B5EF4-FFF2-40B4-BE49-F238E27FC236}">
+                <a16:creationId xmlns:a16="http://schemas.microsoft.com/office/drawing/2014/main" id="{3B2F5462-AD61-2395-3337-CAF0EF9F53FC}"/>
+              </a:ext>
+            </a:extLst>
+          </p:cNvPr>
+          <p:cNvCxnSpPr>
+            <a:cxnSpLocks/>
+            <a:stCxn id="10" idx="3"/>
+          </p:cNvCxnSpPr>
+          <p:nvPr/>
+        </p:nvCxnSpPr>
+        <p:spPr>
+          <a:xfrm flipV="1">
+            <a:off x="7427611" y="1826475"/>
+            <a:ext cx="1294292" cy="2794849"/>
+          </a:xfrm>
+          <a:prstGeom prst="straightConnector1">
+            <a:avLst/>
+          </a:prstGeom>
+          <a:ln w="50800">
+            <a:solidFill>
+              <a:schemeClr val="tx1"/>
+            </a:solidFill>
+            <a:tailEnd type="triangle"/>
+          </a:ln>
+        </p:spPr>
+        <p:style>
+          <a:lnRef idx="1">
+            <a:schemeClr val="accent1"/>
+          </a:lnRef>
+          <a:fillRef idx="0">
+            <a:schemeClr val="accent1"/>
+          </a:fillRef>
+          <a:effectRef idx="0">
+            <a:schemeClr val="accent1"/>
+          </a:effectRef>
+          <a:fontRef idx="minor">
+            <a:schemeClr val="tx1"/>
+          </a:fontRef>
+        </p:style>
+      </p:cxnSp>
     </p:spTree>
     <p:extLst>
       <p:ext uri="{BB962C8B-B14F-4D97-AF65-F5344CB8AC3E}">

--- a/data_reduction/figures/flowchart2.pptx
+++ b/data_reduction/figures/flowchart2.pptx
@@ -3790,10 +3790,10 @@
       </p:grpSpPr>
       <p:grpSp>
         <p:nvGrpSpPr>
-          <p:cNvPr id="4" name="Group 3">
-            <a:extLst>
-              <a:ext uri="{FF2B5EF4-FFF2-40B4-BE49-F238E27FC236}">
-                <a16:creationId xmlns:a16="http://schemas.microsoft.com/office/drawing/2014/main" id="{E783C818-66CE-B044-88DA-2B6897281F7D}"/>
+          <p:cNvPr id="3" name="Group 2">
+            <a:extLst>
+              <a:ext uri="{FF2B5EF4-FFF2-40B4-BE49-F238E27FC236}">
+                <a16:creationId xmlns:a16="http://schemas.microsoft.com/office/drawing/2014/main" id="{4EE36D87-3339-66DE-08E6-231BF0C4CB33}"/>
               </a:ext>
             </a:extLst>
           </p:cNvPr>
@@ -3802,10 +3802,10 @@
         </p:nvGrpSpPr>
         <p:grpSpPr>
           <a:xfrm>
-            <a:off x="1866119" y="922189"/>
-            <a:ext cx="8992928" cy="4749571"/>
-            <a:chOff x="1018954" y="1779530"/>
-            <a:chExt cx="8992928" cy="4749571"/>
+            <a:off x="1863754" y="1054214"/>
+            <a:ext cx="9007649" cy="4749571"/>
+            <a:chOff x="1863754" y="1054214"/>
+            <a:chExt cx="9007649" cy="4749571"/>
           </a:xfrm>
         </p:grpSpPr>
         <p:sp>
@@ -3822,8 +3822,8 @@
           </p:nvSpPr>
           <p:spPr>
             <a:xfrm>
-              <a:off x="1018954" y="1779531"/>
-              <a:ext cx="1791128" cy="584775"/>
+              <a:off x="1878475" y="1054214"/>
+              <a:ext cx="1967004" cy="723825"/>
             </a:xfrm>
             <a:prstGeom prst="rect">
               <a:avLst/>
@@ -3886,8 +3886,8 @@
           </p:nvSpPr>
           <p:spPr>
             <a:xfrm>
-              <a:off x="1018954" y="3177282"/>
-              <a:ext cx="1605050" cy="495999"/>
+              <a:off x="1863754" y="2689003"/>
+              <a:ext cx="1877878" cy="916233"/>
             </a:xfrm>
             <a:prstGeom prst="rect">
               <a:avLst/>
@@ -3943,8 +3943,8 @@
           </p:nvSpPr>
           <p:spPr>
             <a:xfrm>
-              <a:off x="1018954" y="4302625"/>
-              <a:ext cx="1513677" cy="446567"/>
+              <a:off x="1876281" y="4460960"/>
+              <a:ext cx="1877883" cy="738956"/>
             </a:xfrm>
             <a:prstGeom prst="rect">
               <a:avLst/>
@@ -4000,7 +4000,7 @@
           </p:nvSpPr>
           <p:spPr>
             <a:xfrm>
-              <a:off x="4442195" y="1779530"/>
+              <a:off x="5301716" y="1054214"/>
               <a:ext cx="2137144" cy="893135"/>
             </a:xfrm>
             <a:prstGeom prst="rect">
@@ -4057,7 +4057,7 @@
           </p:nvSpPr>
           <p:spPr>
             <a:xfrm>
-              <a:off x="4443302" y="3356380"/>
+              <a:off x="5302823" y="2631064"/>
               <a:ext cx="2137144" cy="893135"/>
             </a:xfrm>
             <a:prstGeom prst="rect">
@@ -4115,7 +4115,7 @@
           </p:nvSpPr>
           <p:spPr>
             <a:xfrm>
-              <a:off x="4443302" y="5032097"/>
+              <a:off x="5302823" y="4306781"/>
               <a:ext cx="2137144" cy="893135"/>
             </a:xfrm>
             <a:prstGeom prst="rect">
@@ -4172,7 +4172,7 @@
           </p:nvSpPr>
           <p:spPr>
             <a:xfrm>
-              <a:off x="7867650" y="2959245"/>
+              <a:off x="8727171" y="2233929"/>
               <a:ext cx="2137144" cy="893135"/>
             </a:xfrm>
             <a:prstGeom prst="rect">
@@ -4210,7 +4210,7 @@
               <a:pPr algn="ctr"/>
               <a:r>
                 <a:rPr lang="en-US" dirty="0"/>
-                <a:t>Differential peak</a:t>
+                <a:t>Peak calling &amp; Differential peak</a:t>
               </a:r>
             </a:p>
           </p:txBody>
@@ -4229,7 +4229,7 @@
           </p:nvSpPr>
           <p:spPr>
             <a:xfrm>
-              <a:off x="7867650" y="5032097"/>
+              <a:off x="8727171" y="4306781"/>
               <a:ext cx="2137144" cy="893135"/>
             </a:xfrm>
             <a:prstGeom prst="rect">
@@ -4286,7 +4286,7 @@
           </p:nvSpPr>
           <p:spPr>
             <a:xfrm>
-              <a:off x="7874738" y="1779530"/>
+              <a:off x="8734259" y="1054214"/>
               <a:ext cx="2137144" cy="893135"/>
             </a:xfrm>
             <a:prstGeom prst="rect">
@@ -4350,7 +4350,7 @@
           </p:nvCxnSpPr>
           <p:spPr>
             <a:xfrm>
-              <a:off x="1339702" y="2441615"/>
+              <a:off x="2253494" y="1891664"/>
               <a:ext cx="0" cy="683715"/>
             </a:xfrm>
             <a:prstGeom prst="straightConnector1">
@@ -4394,7 +4394,7 @@
           </p:nvCxnSpPr>
           <p:spPr>
             <a:xfrm>
-              <a:off x="1339702" y="3753209"/>
+              <a:off x="2253494" y="3785809"/>
               <a:ext cx="0" cy="496062"/>
             </a:xfrm>
             <a:prstGeom prst="straightConnector1">
@@ -4436,7 +4436,7 @@
           </p:nvCxnSpPr>
           <p:spPr>
             <a:xfrm>
-              <a:off x="4788195" y="4249515"/>
+              <a:off x="5647716" y="3524199"/>
               <a:ext cx="0" cy="782582"/>
             </a:xfrm>
             <a:prstGeom prst="straightConnector1">
@@ -4478,7 +4478,7 @@
           </p:nvCxnSpPr>
           <p:spPr>
             <a:xfrm>
-              <a:off x="4788195" y="2672664"/>
+              <a:off x="5647716" y="1947348"/>
               <a:ext cx="0" cy="683715"/>
             </a:xfrm>
             <a:prstGeom prst="straightConnector1">
@@ -4520,7 +4520,7 @@
           </p:nvSpPr>
           <p:spPr>
             <a:xfrm>
-              <a:off x="8399720" y="3802947"/>
+              <a:off x="9259241" y="3077631"/>
               <a:ext cx="1365841" cy="923330"/>
             </a:xfrm>
             <a:prstGeom prst="rect">
@@ -4562,7 +4562,7 @@
           </p:nvCxnSpPr>
           <p:spPr>
             <a:xfrm>
-              <a:off x="6580446" y="5478665"/>
+              <a:off x="7439967" y="4753349"/>
               <a:ext cx="1287204" cy="0"/>
             </a:xfrm>
             <a:prstGeom prst="straightConnector1">
@@ -4606,7 +4606,7 @@
           </p:nvCxnSpPr>
           <p:spPr>
             <a:xfrm flipV="1">
-              <a:off x="6580446" y="4423144"/>
+              <a:off x="7439967" y="3697828"/>
               <a:ext cx="1287204" cy="1055521"/>
             </a:xfrm>
             <a:prstGeom prst="straightConnector1">
@@ -4651,7 +4651,7 @@
           </p:nvCxnSpPr>
           <p:spPr>
             <a:xfrm flipV="1">
-              <a:off x="6580446" y="3405813"/>
+              <a:off x="7439967" y="2680497"/>
               <a:ext cx="1287204" cy="2072852"/>
             </a:xfrm>
             <a:prstGeom prst="straightConnector1">
@@ -4695,7 +4695,7 @@
           </p:nvCxnSpPr>
           <p:spPr>
             <a:xfrm flipH="1" flipV="1">
-              <a:off x="6444896" y="2979293"/>
+              <a:off x="7304417" y="2253977"/>
               <a:ext cx="2130056" cy="1179715"/>
             </a:xfrm>
             <a:prstGeom prst="straightConnector1">
@@ -4745,7 +4745,7 @@
           </p:nvCxnSpPr>
           <p:spPr>
             <a:xfrm flipV="1">
-              <a:off x="3071591" y="2327485"/>
+              <a:off x="3931112" y="1602169"/>
               <a:ext cx="1286097" cy="3252568"/>
             </a:xfrm>
             <a:prstGeom prst="bentConnector3">
@@ -4789,7 +4789,7 @@
           </p:nvSpPr>
           <p:spPr>
             <a:xfrm>
-              <a:off x="1393973" y="2469738"/>
+              <a:off x="2266888" y="1878110"/>
               <a:ext cx="2405173" cy="584775"/>
             </a:xfrm>
             <a:prstGeom prst="rect">
@@ -4830,7 +4830,7 @@
           </p:nvSpPr>
           <p:spPr>
             <a:xfrm>
-              <a:off x="1393973" y="3758758"/>
+              <a:off x="2298018" y="3831684"/>
               <a:ext cx="2405173" cy="338554"/>
             </a:xfrm>
             <a:prstGeom prst="rect">
@@ -4865,7 +4865,7 @@
           </p:nvSpPr>
           <p:spPr>
             <a:xfrm>
-              <a:off x="5031858" y="2843336"/>
+              <a:off x="5891379" y="2118020"/>
               <a:ext cx="1379575" cy="338554"/>
             </a:xfrm>
             <a:prstGeom prst="rect">
@@ -4900,7 +4900,7 @@
           </p:nvSpPr>
           <p:spPr>
             <a:xfrm>
-              <a:off x="5031858" y="6190547"/>
+              <a:off x="5891379" y="5465231"/>
               <a:ext cx="1662001" cy="338554"/>
             </a:xfrm>
             <a:prstGeom prst="rect">
@@ -4935,7 +4935,7 @@
           </p:nvSpPr>
           <p:spPr>
             <a:xfrm>
-              <a:off x="5031858" y="4330553"/>
+              <a:off x="5891379" y="3605237"/>
               <a:ext cx="1379575" cy="338554"/>
             </a:xfrm>
             <a:prstGeom prst="rect">
@@ -4956,188 +4956,52 @@
             </a:p>
           </p:txBody>
         </p:sp>
+        <p:cxnSp>
+          <p:nvCxnSpPr>
+            <p:cNvPr id="2" name="Straight Arrow Connector 1">
+              <a:extLst>
+                <a:ext uri="{FF2B5EF4-FFF2-40B4-BE49-F238E27FC236}">
+                  <a16:creationId xmlns:a16="http://schemas.microsoft.com/office/drawing/2014/main" id="{3B2F5462-AD61-2395-3337-CAF0EF9F53FC}"/>
+                </a:ext>
+              </a:extLst>
+            </p:cNvPr>
+            <p:cNvCxnSpPr>
+              <a:cxnSpLocks/>
+              <a:stCxn id="10" idx="3"/>
+            </p:cNvCxnSpPr>
+            <p:nvPr/>
+          </p:nvCxnSpPr>
+          <p:spPr>
+            <a:xfrm flipV="1">
+              <a:off x="7439967" y="1958500"/>
+              <a:ext cx="1294292" cy="2794849"/>
+            </a:xfrm>
+            <a:prstGeom prst="straightConnector1">
+              <a:avLst/>
+            </a:prstGeom>
+            <a:ln w="50800">
+              <a:solidFill>
+                <a:schemeClr val="tx1"/>
+              </a:solidFill>
+              <a:tailEnd type="triangle"/>
+            </a:ln>
+          </p:spPr>
+          <p:style>
+            <a:lnRef idx="1">
+              <a:schemeClr val="accent1"/>
+            </a:lnRef>
+            <a:fillRef idx="0">
+              <a:schemeClr val="accent1"/>
+            </a:fillRef>
+            <a:effectRef idx="0">
+              <a:schemeClr val="accent1"/>
+            </a:effectRef>
+            <a:fontRef idx="minor">
+              <a:schemeClr val="tx1"/>
+            </a:fontRef>
+          </p:style>
+        </p:cxnSp>
       </p:grpSp>
-      <p:cxnSp>
-        <p:nvCxnSpPr>
-          <p:cNvPr id="30" name="Straight Arrow Connector 29">
-            <a:extLst>
-              <a:ext uri="{FF2B5EF4-FFF2-40B4-BE49-F238E27FC236}">
-                <a16:creationId xmlns:a16="http://schemas.microsoft.com/office/drawing/2014/main" id="{3B5F4893-F59C-DE70-30A4-4A1936AA281E}"/>
-              </a:ext>
-            </a:extLst>
-          </p:cNvPr>
-          <p:cNvCxnSpPr>
-            <a:cxnSpLocks/>
-          </p:cNvCxnSpPr>
-          <p:nvPr/>
-        </p:nvCxnSpPr>
-        <p:spPr>
-          <a:xfrm>
-            <a:off x="2203064" y="3966144"/>
-            <a:ext cx="0" cy="496062"/>
-          </a:xfrm>
-          <a:prstGeom prst="straightConnector1">
-            <a:avLst/>
-          </a:prstGeom>
-          <a:ln w="50800">
-            <a:solidFill>
-              <a:schemeClr val="tx1"/>
-            </a:solidFill>
-            <a:tailEnd type="triangle"/>
-          </a:ln>
-        </p:spPr>
-        <p:style>
-          <a:lnRef idx="1">
-            <a:schemeClr val="accent1"/>
-          </a:lnRef>
-          <a:fillRef idx="0">
-            <a:schemeClr val="accent1"/>
-          </a:fillRef>
-          <a:effectRef idx="0">
-            <a:schemeClr val="accent1"/>
-          </a:effectRef>
-          <a:fontRef idx="minor">
-            <a:schemeClr val="tx1"/>
-          </a:fontRef>
-        </p:style>
-      </p:cxnSp>
-      <p:sp>
-        <p:nvSpPr>
-          <p:cNvPr id="31" name="TextBox 30">
-            <a:extLst>
-              <a:ext uri="{FF2B5EF4-FFF2-40B4-BE49-F238E27FC236}">
-                <a16:creationId xmlns:a16="http://schemas.microsoft.com/office/drawing/2014/main" id="{EA77F842-92C1-0BB7-9366-D900229B1EF3}"/>
-              </a:ext>
-            </a:extLst>
-          </p:cNvPr>
-          <p:cNvSpPr txBox="1"/>
-          <p:nvPr/>
-        </p:nvSpPr>
-        <p:spPr>
-          <a:xfrm>
-            <a:off x="2241138" y="3981890"/>
-            <a:ext cx="2405173" cy="338554"/>
-          </a:xfrm>
-          <a:prstGeom prst="rect">
-            <a:avLst/>
-          </a:prstGeom>
-          <a:noFill/>
-        </p:spPr>
-        <p:txBody>
-          <a:bodyPr wrap="square" rtlCol="0">
-            <a:spAutoFit/>
-          </a:bodyPr>
-          <a:lstStyle/>
-          <a:p>
-            <a:r>
-              <a:rPr lang="en-US" sz="1600" dirty="0"/>
-              <a:t>Peak calling</a:t>
-            </a:r>
-          </a:p>
-        </p:txBody>
-      </p:sp>
-      <p:sp>
-        <p:nvSpPr>
-          <p:cNvPr id="32" name="Rectangle 31">
-            <a:extLst>
-              <a:ext uri="{FF2B5EF4-FFF2-40B4-BE49-F238E27FC236}">
-                <a16:creationId xmlns:a16="http://schemas.microsoft.com/office/drawing/2014/main" id="{80CE048C-C444-D511-99AB-1976767C40ED}"/>
-              </a:ext>
-            </a:extLst>
-          </p:cNvPr>
-          <p:cNvSpPr/>
-          <p:nvPr/>
-        </p:nvSpPr>
-        <p:spPr>
-          <a:xfrm>
-            <a:off x="1866119" y="4499429"/>
-            <a:ext cx="1513677" cy="446567"/>
-          </a:xfrm>
-          <a:prstGeom prst="rect">
-            <a:avLst/>
-          </a:prstGeom>
-          <a:solidFill>
-            <a:schemeClr val="accent3"/>
-          </a:solidFill>
-          <a:ln>
-            <a:solidFill>
-              <a:schemeClr val="accent3"/>
-            </a:solidFill>
-          </a:ln>
-        </p:spPr>
-        <p:style>
-          <a:lnRef idx="2">
-            <a:schemeClr val="accent1">
-              <a:shade val="50000"/>
-            </a:schemeClr>
-          </a:lnRef>
-          <a:fillRef idx="1">
-            <a:schemeClr val="accent1"/>
-          </a:fillRef>
-          <a:effectRef idx="0">
-            <a:schemeClr val="accent1"/>
-          </a:effectRef>
-          <a:fontRef idx="minor">
-            <a:schemeClr val="lt1"/>
-          </a:fontRef>
-        </p:style>
-        <p:txBody>
-          <a:bodyPr rtlCol="0" anchor="ctr"/>
-          <a:lstStyle/>
-          <a:p>
-            <a:pPr algn="ctr"/>
-            <a:r>
-              <a:rPr lang="en-US" dirty="0"/>
-              <a:t>Mapping QC</a:t>
-            </a:r>
-          </a:p>
-        </p:txBody>
-      </p:sp>
-      <p:cxnSp>
-        <p:nvCxnSpPr>
-          <p:cNvPr id="2" name="Straight Arrow Connector 1">
-            <a:extLst>
-              <a:ext uri="{FF2B5EF4-FFF2-40B4-BE49-F238E27FC236}">
-                <a16:creationId xmlns:a16="http://schemas.microsoft.com/office/drawing/2014/main" id="{3B2F5462-AD61-2395-3337-CAF0EF9F53FC}"/>
-              </a:ext>
-            </a:extLst>
-          </p:cNvPr>
-          <p:cNvCxnSpPr>
-            <a:cxnSpLocks/>
-            <a:stCxn id="10" idx="3"/>
-          </p:cNvCxnSpPr>
-          <p:nvPr/>
-        </p:nvCxnSpPr>
-        <p:spPr>
-          <a:xfrm flipV="1">
-            <a:off x="7427611" y="1826475"/>
-            <a:ext cx="1294292" cy="2794849"/>
-          </a:xfrm>
-          <a:prstGeom prst="straightConnector1">
-            <a:avLst/>
-          </a:prstGeom>
-          <a:ln w="50800">
-            <a:solidFill>
-              <a:schemeClr val="tx1"/>
-            </a:solidFill>
-            <a:tailEnd type="triangle"/>
-          </a:ln>
-        </p:spPr>
-        <p:style>
-          <a:lnRef idx="1">
-            <a:schemeClr val="accent1"/>
-          </a:lnRef>
-          <a:fillRef idx="0">
-            <a:schemeClr val="accent1"/>
-          </a:fillRef>
-          <a:effectRef idx="0">
-            <a:schemeClr val="accent1"/>
-          </a:effectRef>
-          <a:fontRef idx="minor">
-            <a:schemeClr val="tx1"/>
-          </a:fontRef>
-        </p:style>
-      </p:cxnSp>
     </p:spTree>
     <p:extLst>
       <p:ext uri="{BB962C8B-B14F-4D97-AF65-F5344CB8AC3E}">

--- a/data_reduction/figures/flowchart2.pptx
+++ b/data_reduction/figures/flowchart2.pptx
@@ -197,7 +197,7 @@
           <a:p>
             <a:fld id="{FD469A00-EC05-4F4A-94D8-15703CEEB83C}" type="datetimeFigureOut">
               <a:rPr lang="en-US" smtClean="0"/>
-              <a:t>7/20/22</a:t>
+              <a:t>6/6/24</a:t>
             </a:fld>
             <a:endParaRPr lang="en-US"/>
           </a:p>
@@ -721,7 +721,7 @@
           <a:p>
             <a:fld id="{74A2E6A2-88F1-4343-876D-E4F8B581B01C}" type="datetimeFigureOut">
               <a:rPr lang="en-US" smtClean="0"/>
-              <a:t>7/20/22</a:t>
+              <a:t>6/6/24</a:t>
             </a:fld>
             <a:endParaRPr lang="en-US"/>
           </a:p>
@@ -919,7 +919,7 @@
           <a:p>
             <a:fld id="{74A2E6A2-88F1-4343-876D-E4F8B581B01C}" type="datetimeFigureOut">
               <a:rPr lang="en-US" smtClean="0"/>
-              <a:t>7/20/22</a:t>
+              <a:t>6/6/24</a:t>
             </a:fld>
             <a:endParaRPr lang="en-US"/>
           </a:p>
@@ -1127,7 +1127,7 @@
           <a:p>
             <a:fld id="{74A2E6A2-88F1-4343-876D-E4F8B581B01C}" type="datetimeFigureOut">
               <a:rPr lang="en-US" smtClean="0"/>
-              <a:t>7/20/22</a:t>
+              <a:t>6/6/24</a:t>
             </a:fld>
             <a:endParaRPr lang="en-US"/>
           </a:p>
@@ -1325,7 +1325,7 @@
           <a:p>
             <a:fld id="{74A2E6A2-88F1-4343-876D-E4F8B581B01C}" type="datetimeFigureOut">
               <a:rPr lang="en-US" smtClean="0"/>
-              <a:t>7/20/22</a:t>
+              <a:t>6/6/24</a:t>
             </a:fld>
             <a:endParaRPr lang="en-US"/>
           </a:p>
@@ -1600,7 +1600,7 @@
           <a:p>
             <a:fld id="{74A2E6A2-88F1-4343-876D-E4F8B581B01C}" type="datetimeFigureOut">
               <a:rPr lang="en-US" smtClean="0"/>
-              <a:t>7/20/22</a:t>
+              <a:t>6/6/24</a:t>
             </a:fld>
             <a:endParaRPr lang="en-US"/>
           </a:p>
@@ -1865,7 +1865,7 @@
           <a:p>
             <a:fld id="{74A2E6A2-88F1-4343-876D-E4F8B581B01C}" type="datetimeFigureOut">
               <a:rPr lang="en-US" smtClean="0"/>
-              <a:t>7/20/22</a:t>
+              <a:t>6/6/24</a:t>
             </a:fld>
             <a:endParaRPr lang="en-US"/>
           </a:p>
@@ -2277,7 +2277,7 @@
           <a:p>
             <a:fld id="{74A2E6A2-88F1-4343-876D-E4F8B581B01C}" type="datetimeFigureOut">
               <a:rPr lang="en-US" smtClean="0"/>
-              <a:t>7/20/22</a:t>
+              <a:t>6/6/24</a:t>
             </a:fld>
             <a:endParaRPr lang="en-US"/>
           </a:p>
@@ -2418,7 +2418,7 @@
           <a:p>
             <a:fld id="{74A2E6A2-88F1-4343-876D-E4F8B581B01C}" type="datetimeFigureOut">
               <a:rPr lang="en-US" smtClean="0"/>
-              <a:t>7/20/22</a:t>
+              <a:t>6/6/24</a:t>
             </a:fld>
             <a:endParaRPr lang="en-US"/>
           </a:p>
@@ -2531,7 +2531,7 @@
           <a:p>
             <a:fld id="{74A2E6A2-88F1-4343-876D-E4F8B581B01C}" type="datetimeFigureOut">
               <a:rPr lang="en-US" smtClean="0"/>
-              <a:t>7/20/22</a:t>
+              <a:t>6/6/24</a:t>
             </a:fld>
             <a:endParaRPr lang="en-US"/>
           </a:p>
@@ -2842,7 +2842,7 @@
           <a:p>
             <a:fld id="{74A2E6A2-88F1-4343-876D-E4F8B581B01C}" type="datetimeFigureOut">
               <a:rPr lang="en-US" smtClean="0"/>
-              <a:t>7/20/22</a:t>
+              <a:t>6/6/24</a:t>
             </a:fld>
             <a:endParaRPr lang="en-US"/>
           </a:p>
@@ -3130,7 +3130,7 @@
           <a:p>
             <a:fld id="{74A2E6A2-88F1-4343-876D-E4F8B581B01C}" type="datetimeFigureOut">
               <a:rPr lang="en-US" smtClean="0"/>
-              <a:t>7/20/22</a:t>
+              <a:t>6/6/24</a:t>
             </a:fld>
             <a:endParaRPr lang="en-US"/>
           </a:p>
@@ -3371,7 +3371,7 @@
           <a:p>
             <a:fld id="{74A2E6A2-88F1-4343-876D-E4F8B581B01C}" type="datetimeFigureOut">
               <a:rPr lang="en-US" smtClean="0"/>
-              <a:t>7/20/22</a:t>
+              <a:t>6/6/24</a:t>
             </a:fld>
             <a:endParaRPr lang="en-US"/>
           </a:p>
@@ -3790,10 +3790,10 @@
       </p:grpSpPr>
       <p:grpSp>
         <p:nvGrpSpPr>
-          <p:cNvPr id="3" name="Group 2">
-            <a:extLst>
-              <a:ext uri="{FF2B5EF4-FFF2-40B4-BE49-F238E27FC236}">
-                <a16:creationId xmlns:a16="http://schemas.microsoft.com/office/drawing/2014/main" id="{4EE36D87-3339-66DE-08E6-231BF0C4CB33}"/>
+          <p:cNvPr id="54" name="Group 53">
+            <a:extLst>
+              <a:ext uri="{FF2B5EF4-FFF2-40B4-BE49-F238E27FC236}">
+                <a16:creationId xmlns:a16="http://schemas.microsoft.com/office/drawing/2014/main" id="{2A1F1E04-23BA-F24A-3226-6B8B4FFE1D24}"/>
               </a:ext>
             </a:extLst>
           </p:cNvPr>
@@ -3803,9 +3803,9 @@
         <p:grpSpPr>
           <a:xfrm>
             <a:off x="1863754" y="1054214"/>
-            <a:ext cx="9007649" cy="4749571"/>
+            <a:ext cx="8900509" cy="4749571"/>
             <a:chOff x="1863754" y="1054214"/>
-            <a:chExt cx="9007649" cy="4749571"/>
+            <a:chExt cx="8900509" cy="4749571"/>
           </a:xfrm>
         </p:grpSpPr>
         <p:sp>
@@ -4172,8 +4172,8 @@
           </p:nvSpPr>
           <p:spPr>
             <a:xfrm>
-              <a:off x="8727171" y="2233929"/>
-              <a:ext cx="2137144" cy="893135"/>
+              <a:off x="8769336" y="1714530"/>
+              <a:ext cx="1897889" cy="694298"/>
             </a:xfrm>
             <a:prstGeom prst="rect">
               <a:avLst/>
@@ -4210,7 +4210,7 @@
               <a:pPr algn="ctr"/>
               <a:r>
                 <a:rPr lang="en-US" dirty="0"/>
-                <a:t>Peak calling &amp; Differential peak</a:t>
+                <a:t>Differential peak</a:t>
               </a:r>
             </a:p>
           </p:txBody>
@@ -4229,8 +4229,8 @@
           </p:nvSpPr>
           <p:spPr>
             <a:xfrm>
-              <a:off x="8727171" y="4306781"/>
-              <a:ext cx="2137144" cy="893135"/>
+              <a:off x="8727171" y="4306782"/>
+              <a:ext cx="2037092" cy="860910"/>
             </a:xfrm>
             <a:prstGeom prst="rect">
               <a:avLst/>
@@ -4287,7 +4287,7 @@
           <p:spPr>
             <a:xfrm>
               <a:off x="8734259" y="1054214"/>
-              <a:ext cx="2137144" cy="893135"/>
+              <a:ext cx="1890823" cy="457719"/>
             </a:xfrm>
             <a:prstGeom prst="rect">
               <a:avLst/>
@@ -4555,15 +4555,16 @@
               </a:extLst>
             </p:cNvPr>
             <p:cNvCxnSpPr>
-              <a:stCxn id="11" idx="3"/>
-              <a:endCxn id="13" idx="1"/>
+              <a:cxnSpLocks/>
+              <a:stCxn id="10" idx="3"/>
+              <a:endCxn id="12" idx="1"/>
             </p:cNvCxnSpPr>
             <p:nvPr/>
           </p:nvCxnSpPr>
           <p:spPr>
-            <a:xfrm>
-              <a:off x="7439967" y="4753349"/>
-              <a:ext cx="1287204" cy="0"/>
+            <a:xfrm flipV="1">
+              <a:off x="7439967" y="4737237"/>
+              <a:ext cx="1287204" cy="16112"/>
             </a:xfrm>
             <a:prstGeom prst="straightConnector1">
               <a:avLst/>
@@ -4600,14 +4601,14 @@
               </a:extLst>
             </p:cNvPr>
             <p:cNvCxnSpPr>
-              <a:stCxn id="11" idx="3"/>
+              <a:cxnSpLocks/>
             </p:cNvCxnSpPr>
             <p:nvPr/>
           </p:nvCxnSpPr>
           <p:spPr>
             <a:xfrm flipV="1">
-              <a:off x="7439967" y="3697828"/>
-              <a:ext cx="1287204" cy="1055521"/>
+              <a:off x="7473430" y="2456574"/>
+              <a:ext cx="1274870" cy="2239905"/>
             </a:xfrm>
             <a:prstGeom prst="straightConnector1">
               <a:avLst/>
@@ -4644,15 +4645,14 @@
               </a:extLst>
             </p:cNvPr>
             <p:cNvCxnSpPr>
-              <a:stCxn id="11" idx="3"/>
-              <a:endCxn id="12" idx="1"/>
+              <a:cxnSpLocks/>
             </p:cNvCxnSpPr>
             <p:nvPr/>
           </p:nvCxnSpPr>
           <p:spPr>
             <a:xfrm flipV="1">
-              <a:off x="7439967" y="2680497"/>
-              <a:ext cx="1287204" cy="2072852"/>
+              <a:off x="7472323" y="3256664"/>
+              <a:ext cx="1297013" cy="1437810"/>
             </a:xfrm>
             <a:prstGeom prst="straightConnector1">
               <a:avLst/>
@@ -4830,8 +4830,8 @@
           </p:nvSpPr>
           <p:spPr>
             <a:xfrm>
-              <a:off x="2298018" y="3831684"/>
-              <a:ext cx="2405173" cy="338554"/>
+              <a:off x="2298018" y="3733710"/>
+              <a:ext cx="2405173" cy="584775"/>
             </a:xfrm>
             <a:prstGeom prst="rect">
               <a:avLst/>
@@ -4846,7 +4846,7 @@
             <a:p>
               <a:r>
                 <a:rPr lang="en-US" sz="1600" dirty="0"/>
-                <a:t>Map to Genome</a:t>
+                <a:t>Map to Genome/Transcriptome</a:t>
               </a:r>
             </a:p>
           </p:txBody>
@@ -4935,8 +4935,8 @@
           </p:nvSpPr>
           <p:spPr>
             <a:xfrm>
-              <a:off x="5891379" y="3605237"/>
-              <a:ext cx="1379575" cy="338554"/>
+              <a:off x="5772442" y="3753270"/>
+              <a:ext cx="1531975" cy="338554"/>
             </a:xfrm>
             <a:prstGeom prst="rect">
               <a:avLst/>
@@ -4951,8 +4951,13 @@
             <a:p>
               <a:r>
                 <a:rPr lang="en-US" sz="1600" dirty="0"/>
-                <a:t>TF-IDF</a:t>
+                <a:t>TF-IDF/</a:t>
               </a:r>
+              <a:r>
+                <a:rPr lang="en-US" sz="1600" dirty="0" err="1"/>
+                <a:t>Lognorm</a:t>
+              </a:r>
+              <a:endParaRPr lang="en-US" sz="1600" dirty="0"/>
             </a:p>
           </p:txBody>
         </p:sp>
@@ -4967,14 +4972,149 @@
             </p:cNvPr>
             <p:cNvCxnSpPr>
               <a:cxnSpLocks/>
-              <a:stCxn id="10" idx="3"/>
             </p:cNvCxnSpPr>
             <p:nvPr/>
           </p:nvCxnSpPr>
           <p:spPr>
             <a:xfrm flipV="1">
-              <a:off x="7439967" y="1958500"/>
-              <a:ext cx="1294292" cy="2794849"/>
+              <a:off x="7472323" y="1446409"/>
+              <a:ext cx="1315015" cy="3231153"/>
+            </a:xfrm>
+            <a:prstGeom prst="straightConnector1">
+              <a:avLst/>
+            </a:prstGeom>
+            <a:ln w="50800">
+              <a:solidFill>
+                <a:schemeClr val="tx1"/>
+              </a:solidFill>
+              <a:tailEnd type="triangle"/>
+            </a:ln>
+          </p:spPr>
+          <p:style>
+            <a:lnRef idx="1">
+              <a:schemeClr val="accent1"/>
+            </a:lnRef>
+            <a:fillRef idx="0">
+              <a:schemeClr val="accent1"/>
+            </a:fillRef>
+            <a:effectRef idx="0">
+              <a:schemeClr val="accent1"/>
+            </a:effectRef>
+            <a:fontRef idx="minor">
+              <a:schemeClr val="tx1"/>
+            </a:fontRef>
+          </p:style>
+        </p:cxnSp>
+        <p:sp>
+          <p:nvSpPr>
+            <p:cNvPr id="36" name="TextBox 35">
+              <a:extLst>
+                <a:ext uri="{FF2B5EF4-FFF2-40B4-BE49-F238E27FC236}">
+                  <a16:creationId xmlns:a16="http://schemas.microsoft.com/office/drawing/2014/main" id="{2E33D8B5-EFE7-BE43-5411-1D0B953CFC72}"/>
+                </a:ext>
+              </a:extLst>
+            </p:cNvPr>
+            <p:cNvSpPr txBox="1"/>
+            <p:nvPr/>
+          </p:nvSpPr>
+          <p:spPr>
+            <a:xfrm>
+              <a:off x="7673836" y="4829137"/>
+              <a:ext cx="628989" cy="338554"/>
+            </a:xfrm>
+            <a:prstGeom prst="rect">
+              <a:avLst/>
+            </a:prstGeom>
+            <a:noFill/>
+          </p:spPr>
+          <p:txBody>
+            <a:bodyPr wrap="square" rtlCol="0">
+              <a:spAutoFit/>
+            </a:bodyPr>
+            <a:lstStyle/>
+            <a:p>
+              <a:r>
+                <a:rPr lang="en-US" sz="1600" dirty="0"/>
+                <a:t>WNN</a:t>
+              </a:r>
+            </a:p>
+          </p:txBody>
+        </p:sp>
+        <p:sp>
+          <p:nvSpPr>
+            <p:cNvPr id="46" name="Rectangle 45">
+              <a:extLst>
+                <a:ext uri="{FF2B5EF4-FFF2-40B4-BE49-F238E27FC236}">
+                  <a16:creationId xmlns:a16="http://schemas.microsoft.com/office/drawing/2014/main" id="{428A969C-F8A1-5B1B-6894-4B9E1F25128B}"/>
+                </a:ext>
+              </a:extLst>
+            </p:cNvPr>
+            <p:cNvSpPr/>
+            <p:nvPr/>
+          </p:nvSpPr>
+          <p:spPr>
+            <a:xfrm>
+              <a:off x="8797922" y="2538751"/>
+              <a:ext cx="1897889" cy="694298"/>
+            </a:xfrm>
+            <a:prstGeom prst="rect">
+              <a:avLst/>
+            </a:prstGeom>
+            <a:solidFill>
+              <a:schemeClr val="accent5"/>
+            </a:solidFill>
+            <a:ln>
+              <a:solidFill>
+                <a:schemeClr val="accent5"/>
+              </a:solidFill>
+            </a:ln>
+          </p:spPr>
+          <p:style>
+            <a:lnRef idx="2">
+              <a:schemeClr val="accent1">
+                <a:shade val="50000"/>
+              </a:schemeClr>
+            </a:lnRef>
+            <a:fillRef idx="1">
+              <a:schemeClr val="accent1"/>
+            </a:fillRef>
+            <a:effectRef idx="0">
+              <a:schemeClr val="accent1"/>
+            </a:effectRef>
+            <a:fontRef idx="minor">
+              <a:schemeClr val="lt1"/>
+            </a:fontRef>
+          </p:style>
+          <p:txBody>
+            <a:bodyPr rtlCol="0" anchor="ctr"/>
+            <a:lstStyle/>
+            <a:p>
+              <a:pPr algn="ctr"/>
+              <a:r>
+                <a:rPr lang="en-US" dirty="0"/>
+                <a:t>Differential expression</a:t>
+              </a:r>
+            </a:p>
+          </p:txBody>
+        </p:sp>
+        <p:cxnSp>
+          <p:nvCxnSpPr>
+            <p:cNvPr id="49" name="Straight Arrow Connector 48">
+              <a:extLst>
+                <a:ext uri="{FF2B5EF4-FFF2-40B4-BE49-F238E27FC236}">
+                  <a16:creationId xmlns:a16="http://schemas.microsoft.com/office/drawing/2014/main" id="{F933EC65-BF4E-287B-3B6A-173206E6671E}"/>
+                </a:ext>
+              </a:extLst>
+            </p:cNvPr>
+            <p:cNvCxnSpPr>
+              <a:cxnSpLocks/>
+            </p:cNvCxnSpPr>
+            <p:nvPr/>
+          </p:nvCxnSpPr>
+          <p:spPr>
+            <a:xfrm flipV="1">
+              <a:off x="7423354" y="3698689"/>
+              <a:ext cx="1374568" cy="1027394"/>
             </a:xfrm>
             <a:prstGeom prst="straightConnector1">
               <a:avLst/>
